--- a/Portfolio_num1/src/Main/Portfolio_num1.pptx
+++ b/Portfolio_num1/src/Main/Portfolio_num1.pptx
@@ -45,24 +45,24 @@
   <p:notesSz cx="6858000" cy="9144000"/>
   <p:embeddedFontLst>
     <p:embeddedFont>
-      <p:font typeface="맑은 고딕" panose="020B0503020000020004" pitchFamily="50" charset="-127"/>
+      <p:font typeface="G마켓 산스 TTF Medium" panose="02000000000000000000" pitchFamily="2" charset="-127"/>
       <p:regular r:id="rId35"/>
-      <p:bold r:id="rId36"/>
     </p:embeddedFont>
     <p:embeddedFont>
       <p:font typeface="G마켓 산스 TTF Light" panose="02000000000000000000" pitchFamily="2" charset="-127"/>
-      <p:regular r:id="rId37"/>
-    </p:embeddedFont>
-    <p:embeddedFont>
-      <p:font typeface="G마켓 산스 TTF Medium" panose="02000000000000000000" pitchFamily="2" charset="-127"/>
-      <p:regular r:id="rId38"/>
+      <p:regular r:id="rId36"/>
     </p:embeddedFont>
     <p:embeddedFont>
       <p:font typeface="G마켓 산스 TTF Bold" panose="02000000000000000000" pitchFamily="2" charset="-127"/>
+      <p:bold r:id="rId37"/>
+    </p:embeddedFont>
+    <p:embeddedFont>
+      <p:font typeface="함초롬바탕" panose="02030604000101010101" pitchFamily="18" charset="-127"/>
+      <p:regular r:id="rId38"/>
       <p:bold r:id="rId39"/>
     </p:embeddedFont>
     <p:embeddedFont>
-      <p:font typeface="함초롬바탕" panose="02030604000101010101" pitchFamily="18" charset="-127"/>
+      <p:font typeface="맑은 고딕" panose="020B0503020000020004" pitchFamily="50" charset="-127"/>
       <p:regular r:id="rId40"/>
       <p:bold r:id="rId41"/>
     </p:embeddedFont>
@@ -263,7 +263,7 @@
           <a:p>
             <a:fld id="{2B167EE0-4FD9-4D6E-B9EA-369641FEA74A}" type="datetimeFigureOut">
               <a:rPr lang="ko-KR" altLang="en-US" smtClean="0"/>
-              <a:t>2023-07-06</a:t>
+              <a:t>2023-07-07</a:t>
             </a:fld>
             <a:endParaRPr lang="ko-KR" altLang="en-US"/>
           </a:p>
@@ -1166,7 +1166,7 @@
           <a:p>
             <a:fld id="{15BC829F-42C4-48F9-8800-4BAFEA87D9ED}" type="datetimeFigureOut">
               <a:rPr lang="ko-KR" altLang="en-US" smtClean="0"/>
-              <a:t>2023-07-06</a:t>
+              <a:t>2023-07-07</a:t>
             </a:fld>
             <a:endParaRPr lang="ko-KR" altLang="en-US"/>
           </a:p>
@@ -1336,7 +1336,7 @@
           <a:p>
             <a:fld id="{15BC829F-42C4-48F9-8800-4BAFEA87D9ED}" type="datetimeFigureOut">
               <a:rPr lang="ko-KR" altLang="en-US" smtClean="0"/>
-              <a:t>2023-07-06</a:t>
+              <a:t>2023-07-07</a:t>
             </a:fld>
             <a:endParaRPr lang="ko-KR" altLang="en-US"/>
           </a:p>
@@ -1516,7 +1516,7 @@
           <a:p>
             <a:fld id="{15BC829F-42C4-48F9-8800-4BAFEA87D9ED}" type="datetimeFigureOut">
               <a:rPr lang="ko-KR" altLang="en-US" smtClean="0"/>
-              <a:t>2023-07-06</a:t>
+              <a:t>2023-07-07</a:t>
             </a:fld>
             <a:endParaRPr lang="ko-KR" altLang="en-US"/>
           </a:p>
@@ -1686,7 +1686,7 @@
           <a:p>
             <a:fld id="{15BC829F-42C4-48F9-8800-4BAFEA87D9ED}" type="datetimeFigureOut">
               <a:rPr lang="ko-KR" altLang="en-US" smtClean="0"/>
-              <a:t>2023-07-06</a:t>
+              <a:t>2023-07-07</a:t>
             </a:fld>
             <a:endParaRPr lang="ko-KR" altLang="en-US"/>
           </a:p>
@@ -1932,7 +1932,7 @@
           <a:p>
             <a:fld id="{15BC829F-42C4-48F9-8800-4BAFEA87D9ED}" type="datetimeFigureOut">
               <a:rPr lang="ko-KR" altLang="en-US" smtClean="0"/>
-              <a:t>2023-07-06</a:t>
+              <a:t>2023-07-07</a:t>
             </a:fld>
             <a:endParaRPr lang="ko-KR" altLang="en-US"/>
           </a:p>
@@ -2164,7 +2164,7 @@
           <a:p>
             <a:fld id="{15BC829F-42C4-48F9-8800-4BAFEA87D9ED}" type="datetimeFigureOut">
               <a:rPr lang="ko-KR" altLang="en-US" smtClean="0"/>
-              <a:t>2023-07-06</a:t>
+              <a:t>2023-07-07</a:t>
             </a:fld>
             <a:endParaRPr lang="ko-KR" altLang="en-US"/>
           </a:p>
@@ -2531,7 +2531,7 @@
           <a:p>
             <a:fld id="{15BC829F-42C4-48F9-8800-4BAFEA87D9ED}" type="datetimeFigureOut">
               <a:rPr lang="ko-KR" altLang="en-US" smtClean="0"/>
-              <a:t>2023-07-06</a:t>
+              <a:t>2023-07-07</a:t>
             </a:fld>
             <a:endParaRPr lang="ko-KR" altLang="en-US"/>
           </a:p>
@@ -2649,7 +2649,7 @@
           <a:p>
             <a:fld id="{15BC829F-42C4-48F9-8800-4BAFEA87D9ED}" type="datetimeFigureOut">
               <a:rPr lang="ko-KR" altLang="en-US" smtClean="0"/>
-              <a:t>2023-07-06</a:t>
+              <a:t>2023-07-07</a:t>
             </a:fld>
             <a:endParaRPr lang="ko-KR" altLang="en-US"/>
           </a:p>
@@ -2744,7 +2744,7 @@
           <a:p>
             <a:fld id="{15BC829F-42C4-48F9-8800-4BAFEA87D9ED}" type="datetimeFigureOut">
               <a:rPr lang="ko-KR" altLang="en-US" smtClean="0"/>
-              <a:t>2023-07-06</a:t>
+              <a:t>2023-07-07</a:t>
             </a:fld>
             <a:endParaRPr lang="ko-KR" altLang="en-US"/>
           </a:p>
@@ -3021,7 +3021,7 @@
           <a:p>
             <a:fld id="{15BC829F-42C4-48F9-8800-4BAFEA87D9ED}" type="datetimeFigureOut">
               <a:rPr lang="ko-KR" altLang="en-US" smtClean="0"/>
-              <a:t>2023-07-06</a:t>
+              <a:t>2023-07-07</a:t>
             </a:fld>
             <a:endParaRPr lang="ko-KR" altLang="en-US"/>
           </a:p>
@@ -3274,7 +3274,7 @@
           <a:p>
             <a:fld id="{15BC829F-42C4-48F9-8800-4BAFEA87D9ED}" type="datetimeFigureOut">
               <a:rPr lang="ko-KR" altLang="en-US" smtClean="0"/>
-              <a:t>2023-07-06</a:t>
+              <a:t>2023-07-07</a:t>
             </a:fld>
             <a:endParaRPr lang="ko-KR" altLang="en-US"/>
           </a:p>
@@ -3487,7 +3487,7 @@
           <a:p>
             <a:fld id="{15BC829F-42C4-48F9-8800-4BAFEA87D9ED}" type="datetimeFigureOut">
               <a:rPr lang="ko-KR" altLang="en-US" smtClean="0"/>
-              <a:t>2023-07-06</a:t>
+              <a:t>2023-07-07</a:t>
             </a:fld>
             <a:endParaRPr lang="ko-KR" altLang="en-US"/>
           </a:p>
@@ -4199,6 +4199,54 @@
           </a:prstGeom>
         </p:spPr>
       </p:pic>
+      <p:sp>
+        <p:nvSpPr>
+          <p:cNvPr id="8" name="직사각형 7"/>
+          <p:cNvSpPr/>
+          <p:nvPr/>
+        </p:nvSpPr>
+        <p:spPr>
+          <a:xfrm>
+            <a:off x="11877574" y="1609786"/>
+            <a:ext cx="314426" cy="402446"/>
+          </a:xfrm>
+          <a:prstGeom prst="rect">
+            <a:avLst/>
+          </a:prstGeom>
+          <a:solidFill>
+            <a:schemeClr val="accent1">
+              <a:lumMod val="50000"/>
+            </a:schemeClr>
+          </a:solidFill>
+          <a:ln>
+            <a:noFill/>
+          </a:ln>
+        </p:spPr>
+        <p:style>
+          <a:lnRef idx="2">
+            <a:schemeClr val="accent1">
+              <a:shade val="50000"/>
+            </a:schemeClr>
+          </a:lnRef>
+          <a:fillRef idx="1">
+            <a:schemeClr val="accent1"/>
+          </a:fillRef>
+          <a:effectRef idx="0">
+            <a:schemeClr val="accent1"/>
+          </a:effectRef>
+          <a:fontRef idx="minor">
+            <a:schemeClr val="lt1"/>
+          </a:fontRef>
+        </p:style>
+        <p:txBody>
+          <a:bodyPr rtlCol="0" anchor="ctr"/>
+          <a:lstStyle/>
+          <a:p>
+            <a:pPr algn="ctr"/>
+            <a:endParaRPr lang="ko-KR" altLang="en-US"/>
+          </a:p>
+        </p:txBody>
+      </p:sp>
     </p:spTree>
     <p:extLst>
       <p:ext uri="{BB962C8B-B14F-4D97-AF65-F5344CB8AC3E}">
@@ -5149,6 +5197,54 @@
           </a:prstGeom>
         </p:spPr>
       </p:pic>
+      <p:sp>
+        <p:nvSpPr>
+          <p:cNvPr id="26" name="직사각형 25"/>
+          <p:cNvSpPr/>
+          <p:nvPr/>
+        </p:nvSpPr>
+        <p:spPr>
+          <a:xfrm>
+            <a:off x="11877574" y="1609786"/>
+            <a:ext cx="314426" cy="402446"/>
+          </a:xfrm>
+          <a:prstGeom prst="rect">
+            <a:avLst/>
+          </a:prstGeom>
+          <a:solidFill>
+            <a:schemeClr val="accent1">
+              <a:lumMod val="50000"/>
+            </a:schemeClr>
+          </a:solidFill>
+          <a:ln>
+            <a:noFill/>
+          </a:ln>
+        </p:spPr>
+        <p:style>
+          <a:lnRef idx="2">
+            <a:schemeClr val="accent1">
+              <a:shade val="50000"/>
+            </a:schemeClr>
+          </a:lnRef>
+          <a:fillRef idx="1">
+            <a:schemeClr val="accent1"/>
+          </a:fillRef>
+          <a:effectRef idx="0">
+            <a:schemeClr val="accent1"/>
+          </a:effectRef>
+          <a:fontRef idx="minor">
+            <a:schemeClr val="lt1"/>
+          </a:fontRef>
+        </p:style>
+        <p:txBody>
+          <a:bodyPr rtlCol="0" anchor="ctr"/>
+          <a:lstStyle/>
+          <a:p>
+            <a:pPr algn="ctr"/>
+            <a:endParaRPr lang="ko-KR" altLang="en-US"/>
+          </a:p>
+        </p:txBody>
+      </p:sp>
     </p:spTree>
     <p:extLst>
       <p:ext uri="{BB962C8B-B14F-4D97-AF65-F5344CB8AC3E}">
@@ -6820,6 +6916,54 @@
           </a:prstGeom>
         </p:spPr>
       </p:pic>
+      <p:sp>
+        <p:nvSpPr>
+          <p:cNvPr id="53" name="직사각형 52"/>
+          <p:cNvSpPr/>
+          <p:nvPr/>
+        </p:nvSpPr>
+        <p:spPr>
+          <a:xfrm>
+            <a:off x="11877574" y="1609786"/>
+            <a:ext cx="314426" cy="402446"/>
+          </a:xfrm>
+          <a:prstGeom prst="rect">
+            <a:avLst/>
+          </a:prstGeom>
+          <a:solidFill>
+            <a:schemeClr val="accent1">
+              <a:lumMod val="50000"/>
+            </a:schemeClr>
+          </a:solidFill>
+          <a:ln>
+            <a:noFill/>
+          </a:ln>
+        </p:spPr>
+        <p:style>
+          <a:lnRef idx="2">
+            <a:schemeClr val="accent1">
+              <a:shade val="50000"/>
+            </a:schemeClr>
+          </a:lnRef>
+          <a:fillRef idx="1">
+            <a:schemeClr val="accent1"/>
+          </a:fillRef>
+          <a:effectRef idx="0">
+            <a:schemeClr val="accent1"/>
+          </a:effectRef>
+          <a:fontRef idx="minor">
+            <a:schemeClr val="lt1"/>
+          </a:fontRef>
+        </p:style>
+        <p:txBody>
+          <a:bodyPr rtlCol="0" anchor="ctr"/>
+          <a:lstStyle/>
+          <a:p>
+            <a:pPr algn="ctr"/>
+            <a:endParaRPr lang="ko-KR" altLang="en-US"/>
+          </a:p>
+        </p:txBody>
+      </p:sp>
     </p:spTree>
     <p:extLst>
       <p:ext uri="{BB962C8B-B14F-4D97-AF65-F5344CB8AC3E}">
@@ -8245,6 +8389,54 @@
           </a:prstGeom>
         </p:spPr>
       </p:pic>
+      <p:sp>
+        <p:nvSpPr>
+          <p:cNvPr id="58" name="직사각형 57"/>
+          <p:cNvSpPr/>
+          <p:nvPr/>
+        </p:nvSpPr>
+        <p:spPr>
+          <a:xfrm>
+            <a:off x="11877574" y="1609786"/>
+            <a:ext cx="314426" cy="402446"/>
+          </a:xfrm>
+          <a:prstGeom prst="rect">
+            <a:avLst/>
+          </a:prstGeom>
+          <a:solidFill>
+            <a:schemeClr val="accent1">
+              <a:lumMod val="50000"/>
+            </a:schemeClr>
+          </a:solidFill>
+          <a:ln>
+            <a:noFill/>
+          </a:ln>
+        </p:spPr>
+        <p:style>
+          <a:lnRef idx="2">
+            <a:schemeClr val="accent1">
+              <a:shade val="50000"/>
+            </a:schemeClr>
+          </a:lnRef>
+          <a:fillRef idx="1">
+            <a:schemeClr val="accent1"/>
+          </a:fillRef>
+          <a:effectRef idx="0">
+            <a:schemeClr val="accent1"/>
+          </a:effectRef>
+          <a:fontRef idx="minor">
+            <a:schemeClr val="lt1"/>
+          </a:fontRef>
+        </p:style>
+        <p:txBody>
+          <a:bodyPr rtlCol="0" anchor="ctr"/>
+          <a:lstStyle/>
+          <a:p>
+            <a:pPr algn="ctr"/>
+            <a:endParaRPr lang="ko-KR" altLang="en-US"/>
+          </a:p>
+        </p:txBody>
+      </p:sp>
     </p:spTree>
     <p:extLst>
       <p:ext uri="{BB962C8B-B14F-4D97-AF65-F5344CB8AC3E}">
@@ -9578,6 +9770,54 @@
           </a:p>
         </p:txBody>
       </p:sp>
+      <p:sp>
+        <p:nvSpPr>
+          <p:cNvPr id="43" name="직사각형 42"/>
+          <p:cNvSpPr/>
+          <p:nvPr/>
+        </p:nvSpPr>
+        <p:spPr>
+          <a:xfrm>
+            <a:off x="11877574" y="1609786"/>
+            <a:ext cx="314426" cy="402446"/>
+          </a:xfrm>
+          <a:prstGeom prst="rect">
+            <a:avLst/>
+          </a:prstGeom>
+          <a:solidFill>
+            <a:schemeClr val="accent1">
+              <a:lumMod val="50000"/>
+            </a:schemeClr>
+          </a:solidFill>
+          <a:ln>
+            <a:noFill/>
+          </a:ln>
+        </p:spPr>
+        <p:style>
+          <a:lnRef idx="2">
+            <a:schemeClr val="accent1">
+              <a:shade val="50000"/>
+            </a:schemeClr>
+          </a:lnRef>
+          <a:fillRef idx="1">
+            <a:schemeClr val="accent1"/>
+          </a:fillRef>
+          <a:effectRef idx="0">
+            <a:schemeClr val="accent1"/>
+          </a:effectRef>
+          <a:fontRef idx="minor">
+            <a:schemeClr val="lt1"/>
+          </a:fontRef>
+        </p:style>
+        <p:txBody>
+          <a:bodyPr rtlCol="0" anchor="ctr"/>
+          <a:lstStyle/>
+          <a:p>
+            <a:pPr algn="ctr"/>
+            <a:endParaRPr lang="ko-KR" altLang="en-US"/>
+          </a:p>
+        </p:txBody>
+      </p:sp>
     </p:spTree>
     <p:extLst>
       <p:ext uri="{BB962C8B-B14F-4D97-AF65-F5344CB8AC3E}">
@@ -9967,6 +10207,54 @@
           </a:prstGeom>
         </p:spPr>
       </p:pic>
+      <p:sp>
+        <p:nvSpPr>
+          <p:cNvPr id="11" name="직사각형 10"/>
+          <p:cNvSpPr/>
+          <p:nvPr/>
+        </p:nvSpPr>
+        <p:spPr>
+          <a:xfrm>
+            <a:off x="11877574" y="1609786"/>
+            <a:ext cx="314426" cy="402446"/>
+          </a:xfrm>
+          <a:prstGeom prst="rect">
+            <a:avLst/>
+          </a:prstGeom>
+          <a:solidFill>
+            <a:schemeClr val="accent1">
+              <a:lumMod val="50000"/>
+            </a:schemeClr>
+          </a:solidFill>
+          <a:ln>
+            <a:noFill/>
+          </a:ln>
+        </p:spPr>
+        <p:style>
+          <a:lnRef idx="2">
+            <a:schemeClr val="accent1">
+              <a:shade val="50000"/>
+            </a:schemeClr>
+          </a:lnRef>
+          <a:fillRef idx="1">
+            <a:schemeClr val="accent1"/>
+          </a:fillRef>
+          <a:effectRef idx="0">
+            <a:schemeClr val="accent1"/>
+          </a:effectRef>
+          <a:fontRef idx="minor">
+            <a:schemeClr val="lt1"/>
+          </a:fontRef>
+        </p:style>
+        <p:txBody>
+          <a:bodyPr rtlCol="0" anchor="ctr"/>
+          <a:lstStyle/>
+          <a:p>
+            <a:pPr algn="ctr"/>
+            <a:endParaRPr lang="ko-KR" altLang="en-US"/>
+          </a:p>
+        </p:txBody>
+      </p:sp>
     </p:spTree>
     <p:extLst>
       <p:ext uri="{BB962C8B-B14F-4D97-AF65-F5344CB8AC3E}">
@@ -10546,6 +10834,54 @@
           </a:p>
         </p:txBody>
       </p:sp>
+      <p:sp>
+        <p:nvSpPr>
+          <p:cNvPr id="16" name="직사각형 15"/>
+          <p:cNvSpPr/>
+          <p:nvPr/>
+        </p:nvSpPr>
+        <p:spPr>
+          <a:xfrm>
+            <a:off x="11877574" y="1609786"/>
+            <a:ext cx="314426" cy="402446"/>
+          </a:xfrm>
+          <a:prstGeom prst="rect">
+            <a:avLst/>
+          </a:prstGeom>
+          <a:solidFill>
+            <a:schemeClr val="accent1">
+              <a:lumMod val="50000"/>
+            </a:schemeClr>
+          </a:solidFill>
+          <a:ln>
+            <a:noFill/>
+          </a:ln>
+        </p:spPr>
+        <p:style>
+          <a:lnRef idx="2">
+            <a:schemeClr val="accent1">
+              <a:shade val="50000"/>
+            </a:schemeClr>
+          </a:lnRef>
+          <a:fillRef idx="1">
+            <a:schemeClr val="accent1"/>
+          </a:fillRef>
+          <a:effectRef idx="0">
+            <a:schemeClr val="accent1"/>
+          </a:effectRef>
+          <a:fontRef idx="minor">
+            <a:schemeClr val="lt1"/>
+          </a:fontRef>
+        </p:style>
+        <p:txBody>
+          <a:bodyPr rtlCol="0" anchor="ctr"/>
+          <a:lstStyle/>
+          <a:p>
+            <a:pPr algn="ctr"/>
+            <a:endParaRPr lang="ko-KR" altLang="en-US"/>
+          </a:p>
+        </p:txBody>
+      </p:sp>
     </p:spTree>
     <p:extLst>
       <p:ext uri="{BB962C8B-B14F-4D97-AF65-F5344CB8AC3E}">
@@ -12225,6 +12561,54 @@
           </a:prstGeom>
         </p:spPr>
       </p:pic>
+      <p:sp>
+        <p:nvSpPr>
+          <p:cNvPr id="44" name="직사각형 43"/>
+          <p:cNvSpPr/>
+          <p:nvPr/>
+        </p:nvSpPr>
+        <p:spPr>
+          <a:xfrm>
+            <a:off x="11877574" y="1609786"/>
+            <a:ext cx="314426" cy="402446"/>
+          </a:xfrm>
+          <a:prstGeom prst="rect">
+            <a:avLst/>
+          </a:prstGeom>
+          <a:solidFill>
+            <a:schemeClr val="accent1">
+              <a:lumMod val="50000"/>
+            </a:schemeClr>
+          </a:solidFill>
+          <a:ln>
+            <a:noFill/>
+          </a:ln>
+        </p:spPr>
+        <p:style>
+          <a:lnRef idx="2">
+            <a:schemeClr val="accent1">
+              <a:shade val="50000"/>
+            </a:schemeClr>
+          </a:lnRef>
+          <a:fillRef idx="1">
+            <a:schemeClr val="accent1"/>
+          </a:fillRef>
+          <a:effectRef idx="0">
+            <a:schemeClr val="accent1"/>
+          </a:effectRef>
+          <a:fontRef idx="minor">
+            <a:schemeClr val="lt1"/>
+          </a:fontRef>
+        </p:style>
+        <p:txBody>
+          <a:bodyPr rtlCol="0" anchor="ctr"/>
+          <a:lstStyle/>
+          <a:p>
+            <a:pPr algn="ctr"/>
+            <a:endParaRPr lang="ko-KR" altLang="en-US"/>
+          </a:p>
+        </p:txBody>
+      </p:sp>
     </p:spTree>
     <p:extLst>
       <p:ext uri="{BB962C8B-B14F-4D97-AF65-F5344CB8AC3E}">
@@ -12802,6 +13186,54 @@
           </a:prstGeom>
         </p:spPr>
       </p:pic>
+      <p:sp>
+        <p:nvSpPr>
+          <p:cNvPr id="16" name="직사각형 15"/>
+          <p:cNvSpPr/>
+          <p:nvPr/>
+        </p:nvSpPr>
+        <p:spPr>
+          <a:xfrm>
+            <a:off x="11877574" y="1609786"/>
+            <a:ext cx="314426" cy="402446"/>
+          </a:xfrm>
+          <a:prstGeom prst="rect">
+            <a:avLst/>
+          </a:prstGeom>
+          <a:solidFill>
+            <a:schemeClr val="accent1">
+              <a:lumMod val="50000"/>
+            </a:schemeClr>
+          </a:solidFill>
+          <a:ln>
+            <a:noFill/>
+          </a:ln>
+        </p:spPr>
+        <p:style>
+          <a:lnRef idx="2">
+            <a:schemeClr val="accent1">
+              <a:shade val="50000"/>
+            </a:schemeClr>
+          </a:lnRef>
+          <a:fillRef idx="1">
+            <a:schemeClr val="accent1"/>
+          </a:fillRef>
+          <a:effectRef idx="0">
+            <a:schemeClr val="accent1"/>
+          </a:effectRef>
+          <a:fontRef idx="minor">
+            <a:schemeClr val="lt1"/>
+          </a:fontRef>
+        </p:style>
+        <p:txBody>
+          <a:bodyPr rtlCol="0" anchor="ctr"/>
+          <a:lstStyle/>
+          <a:p>
+            <a:pPr algn="ctr"/>
+            <a:endParaRPr lang="ko-KR" altLang="en-US"/>
+          </a:p>
+        </p:txBody>
+      </p:sp>
     </p:spTree>
     <p:extLst>
       <p:ext uri="{BB962C8B-B14F-4D97-AF65-F5344CB8AC3E}">
@@ -12958,6 +13390,52 @@
           </a:prstGeom>
         </p:spPr>
       </p:pic>
+      <p:sp>
+        <p:nvSpPr>
+          <p:cNvPr id="8" name="직사각형 7"/>
+          <p:cNvSpPr/>
+          <p:nvPr/>
+        </p:nvSpPr>
+        <p:spPr>
+          <a:xfrm>
+            <a:off x="11877572" y="2012232"/>
+            <a:ext cx="314426" cy="402446"/>
+          </a:xfrm>
+          <a:prstGeom prst="rect">
+            <a:avLst/>
+          </a:prstGeom>
+          <a:solidFill>
+            <a:srgbClr val="AE78D6"/>
+          </a:solidFill>
+          <a:ln>
+            <a:noFill/>
+          </a:ln>
+        </p:spPr>
+        <p:style>
+          <a:lnRef idx="2">
+            <a:schemeClr val="accent1">
+              <a:shade val="50000"/>
+            </a:schemeClr>
+          </a:lnRef>
+          <a:fillRef idx="1">
+            <a:schemeClr val="accent1"/>
+          </a:fillRef>
+          <a:effectRef idx="0">
+            <a:schemeClr val="accent1"/>
+          </a:effectRef>
+          <a:fontRef idx="minor">
+            <a:schemeClr val="lt1"/>
+          </a:fontRef>
+        </p:style>
+        <p:txBody>
+          <a:bodyPr rtlCol="0" anchor="ctr"/>
+          <a:lstStyle/>
+          <a:p>
+            <a:pPr algn="ctr"/>
+            <a:endParaRPr lang="ko-KR" altLang="en-US"/>
+          </a:p>
+        </p:txBody>
+      </p:sp>
     </p:spTree>
     <p:extLst>
       <p:ext uri="{BB962C8B-B14F-4D97-AF65-F5344CB8AC3E}">
@@ -13087,7 +13565,7 @@
         <p:spPr>
           <a:xfrm>
             <a:off x="11877574" y="1"/>
-            <a:ext cx="314426" cy="471638"/>
+            <a:ext cx="314426" cy="402446"/>
           </a:xfrm>
           <a:prstGeom prst="rect">
             <a:avLst/>
@@ -13503,6 +13981,52 @@
           </a:prstGeom>
         </p:spPr>
       </p:pic>
+      <p:sp>
+        <p:nvSpPr>
+          <p:cNvPr id="6" name="직사각형 5"/>
+          <p:cNvSpPr/>
+          <p:nvPr/>
+        </p:nvSpPr>
+        <p:spPr>
+          <a:xfrm>
+            <a:off x="11877572" y="2012232"/>
+            <a:ext cx="314426" cy="402446"/>
+          </a:xfrm>
+          <a:prstGeom prst="rect">
+            <a:avLst/>
+          </a:prstGeom>
+          <a:solidFill>
+            <a:srgbClr val="AE78D6"/>
+          </a:solidFill>
+          <a:ln>
+            <a:noFill/>
+          </a:ln>
+        </p:spPr>
+        <p:style>
+          <a:lnRef idx="2">
+            <a:schemeClr val="accent1">
+              <a:shade val="50000"/>
+            </a:schemeClr>
+          </a:lnRef>
+          <a:fillRef idx="1">
+            <a:schemeClr val="accent1"/>
+          </a:fillRef>
+          <a:effectRef idx="0">
+            <a:schemeClr val="accent1"/>
+          </a:effectRef>
+          <a:fontRef idx="minor">
+            <a:schemeClr val="lt1"/>
+          </a:fontRef>
+        </p:style>
+        <p:txBody>
+          <a:bodyPr rtlCol="0" anchor="ctr"/>
+          <a:lstStyle/>
+          <a:p>
+            <a:pPr algn="ctr"/>
+            <a:endParaRPr lang="ko-KR" altLang="en-US"/>
+          </a:p>
+        </p:txBody>
+      </p:sp>
     </p:spTree>
     <p:extLst>
       <p:ext uri="{BB962C8B-B14F-4D97-AF65-F5344CB8AC3E}">
@@ -13718,6 +14242,52 @@
           </a:prstGeom>
         </p:spPr>
       </p:pic>
+      <p:sp>
+        <p:nvSpPr>
+          <p:cNvPr id="8" name="직사각형 7"/>
+          <p:cNvSpPr/>
+          <p:nvPr/>
+        </p:nvSpPr>
+        <p:spPr>
+          <a:xfrm>
+            <a:off x="11877572" y="2012232"/>
+            <a:ext cx="314426" cy="402446"/>
+          </a:xfrm>
+          <a:prstGeom prst="rect">
+            <a:avLst/>
+          </a:prstGeom>
+          <a:solidFill>
+            <a:srgbClr val="AE78D6"/>
+          </a:solidFill>
+          <a:ln>
+            <a:noFill/>
+          </a:ln>
+        </p:spPr>
+        <p:style>
+          <a:lnRef idx="2">
+            <a:schemeClr val="accent1">
+              <a:shade val="50000"/>
+            </a:schemeClr>
+          </a:lnRef>
+          <a:fillRef idx="1">
+            <a:schemeClr val="accent1"/>
+          </a:fillRef>
+          <a:effectRef idx="0">
+            <a:schemeClr val="accent1"/>
+          </a:effectRef>
+          <a:fontRef idx="minor">
+            <a:schemeClr val="lt1"/>
+          </a:fontRef>
+        </p:style>
+        <p:txBody>
+          <a:bodyPr rtlCol="0" anchor="ctr"/>
+          <a:lstStyle/>
+          <a:p>
+            <a:pPr algn="ctr"/>
+            <a:endParaRPr lang="ko-KR" altLang="en-US"/>
+          </a:p>
+        </p:txBody>
+      </p:sp>
     </p:spTree>
     <p:extLst>
       <p:ext uri="{BB962C8B-B14F-4D97-AF65-F5344CB8AC3E}">
@@ -13933,6 +14503,52 @@
           </a:prstGeom>
         </p:spPr>
       </p:pic>
+      <p:sp>
+        <p:nvSpPr>
+          <p:cNvPr id="8" name="직사각형 7"/>
+          <p:cNvSpPr/>
+          <p:nvPr/>
+        </p:nvSpPr>
+        <p:spPr>
+          <a:xfrm>
+            <a:off x="11877572" y="2012232"/>
+            <a:ext cx="314426" cy="402446"/>
+          </a:xfrm>
+          <a:prstGeom prst="rect">
+            <a:avLst/>
+          </a:prstGeom>
+          <a:solidFill>
+            <a:srgbClr val="AE78D6"/>
+          </a:solidFill>
+          <a:ln>
+            <a:noFill/>
+          </a:ln>
+        </p:spPr>
+        <p:style>
+          <a:lnRef idx="2">
+            <a:schemeClr val="accent1">
+              <a:shade val="50000"/>
+            </a:schemeClr>
+          </a:lnRef>
+          <a:fillRef idx="1">
+            <a:schemeClr val="accent1"/>
+          </a:fillRef>
+          <a:effectRef idx="0">
+            <a:schemeClr val="accent1"/>
+          </a:effectRef>
+          <a:fontRef idx="minor">
+            <a:schemeClr val="lt1"/>
+          </a:fontRef>
+        </p:style>
+        <p:txBody>
+          <a:bodyPr rtlCol="0" anchor="ctr"/>
+          <a:lstStyle/>
+          <a:p>
+            <a:pPr algn="ctr"/>
+            <a:endParaRPr lang="ko-KR" altLang="en-US"/>
+          </a:p>
+        </p:txBody>
+      </p:sp>
     </p:spTree>
     <p:extLst>
       <p:ext uri="{BB962C8B-B14F-4D97-AF65-F5344CB8AC3E}">
@@ -14148,6 +14764,52 @@
           </a:prstGeom>
         </p:spPr>
       </p:pic>
+      <p:sp>
+        <p:nvSpPr>
+          <p:cNvPr id="9" name="직사각형 8"/>
+          <p:cNvSpPr/>
+          <p:nvPr/>
+        </p:nvSpPr>
+        <p:spPr>
+          <a:xfrm>
+            <a:off x="11877572" y="2012232"/>
+            <a:ext cx="314426" cy="402446"/>
+          </a:xfrm>
+          <a:prstGeom prst="rect">
+            <a:avLst/>
+          </a:prstGeom>
+          <a:solidFill>
+            <a:srgbClr val="AE78D6"/>
+          </a:solidFill>
+          <a:ln>
+            <a:noFill/>
+          </a:ln>
+        </p:spPr>
+        <p:style>
+          <a:lnRef idx="2">
+            <a:schemeClr val="accent1">
+              <a:shade val="50000"/>
+            </a:schemeClr>
+          </a:lnRef>
+          <a:fillRef idx="1">
+            <a:schemeClr val="accent1"/>
+          </a:fillRef>
+          <a:effectRef idx="0">
+            <a:schemeClr val="accent1"/>
+          </a:effectRef>
+          <a:fontRef idx="minor">
+            <a:schemeClr val="lt1"/>
+          </a:fontRef>
+        </p:style>
+        <p:txBody>
+          <a:bodyPr rtlCol="0" anchor="ctr"/>
+          <a:lstStyle/>
+          <a:p>
+            <a:pPr algn="ctr"/>
+            <a:endParaRPr lang="ko-KR" altLang="en-US"/>
+          </a:p>
+        </p:txBody>
+      </p:sp>
     </p:spTree>
     <p:extLst>
       <p:ext uri="{BB962C8B-B14F-4D97-AF65-F5344CB8AC3E}">
@@ -14363,6 +15025,52 @@
           </a:prstGeom>
         </p:spPr>
       </p:pic>
+      <p:sp>
+        <p:nvSpPr>
+          <p:cNvPr id="8" name="직사각형 7"/>
+          <p:cNvSpPr/>
+          <p:nvPr/>
+        </p:nvSpPr>
+        <p:spPr>
+          <a:xfrm>
+            <a:off x="11877572" y="2012232"/>
+            <a:ext cx="314426" cy="402446"/>
+          </a:xfrm>
+          <a:prstGeom prst="rect">
+            <a:avLst/>
+          </a:prstGeom>
+          <a:solidFill>
+            <a:srgbClr val="AE78D6"/>
+          </a:solidFill>
+          <a:ln>
+            <a:noFill/>
+          </a:ln>
+        </p:spPr>
+        <p:style>
+          <a:lnRef idx="2">
+            <a:schemeClr val="accent1">
+              <a:shade val="50000"/>
+            </a:schemeClr>
+          </a:lnRef>
+          <a:fillRef idx="1">
+            <a:schemeClr val="accent1"/>
+          </a:fillRef>
+          <a:effectRef idx="0">
+            <a:schemeClr val="accent1"/>
+          </a:effectRef>
+          <a:fontRef idx="minor">
+            <a:schemeClr val="lt1"/>
+          </a:fontRef>
+        </p:style>
+        <p:txBody>
+          <a:bodyPr rtlCol="0" anchor="ctr"/>
+          <a:lstStyle/>
+          <a:p>
+            <a:pPr algn="ctr"/>
+            <a:endParaRPr lang="ko-KR" altLang="en-US"/>
+          </a:p>
+        </p:txBody>
+      </p:sp>
     </p:spTree>
     <p:extLst>
       <p:ext uri="{BB962C8B-B14F-4D97-AF65-F5344CB8AC3E}">
@@ -14577,6 +15285,52 @@
           </a:prstGeom>
         </p:spPr>
       </p:pic>
+      <p:sp>
+        <p:nvSpPr>
+          <p:cNvPr id="8" name="직사각형 7"/>
+          <p:cNvSpPr/>
+          <p:nvPr/>
+        </p:nvSpPr>
+        <p:spPr>
+          <a:xfrm>
+            <a:off x="11877572" y="2012232"/>
+            <a:ext cx="314426" cy="402446"/>
+          </a:xfrm>
+          <a:prstGeom prst="rect">
+            <a:avLst/>
+          </a:prstGeom>
+          <a:solidFill>
+            <a:srgbClr val="AE78D6"/>
+          </a:solidFill>
+          <a:ln>
+            <a:noFill/>
+          </a:ln>
+        </p:spPr>
+        <p:style>
+          <a:lnRef idx="2">
+            <a:schemeClr val="accent1">
+              <a:shade val="50000"/>
+            </a:schemeClr>
+          </a:lnRef>
+          <a:fillRef idx="1">
+            <a:schemeClr val="accent1"/>
+          </a:fillRef>
+          <a:effectRef idx="0">
+            <a:schemeClr val="accent1"/>
+          </a:effectRef>
+          <a:fontRef idx="minor">
+            <a:schemeClr val="lt1"/>
+          </a:fontRef>
+        </p:style>
+        <p:txBody>
+          <a:bodyPr rtlCol="0" anchor="ctr"/>
+          <a:lstStyle/>
+          <a:p>
+            <a:pPr algn="ctr"/>
+            <a:endParaRPr lang="ko-KR" altLang="en-US"/>
+          </a:p>
+        </p:txBody>
+      </p:sp>
     </p:spTree>
     <p:extLst>
       <p:ext uri="{BB962C8B-B14F-4D97-AF65-F5344CB8AC3E}">
@@ -14792,6 +15546,52 @@
           </a:prstGeom>
         </p:spPr>
       </p:pic>
+      <p:sp>
+        <p:nvSpPr>
+          <p:cNvPr id="8" name="직사각형 7"/>
+          <p:cNvSpPr/>
+          <p:nvPr/>
+        </p:nvSpPr>
+        <p:spPr>
+          <a:xfrm>
+            <a:off x="11877572" y="2012232"/>
+            <a:ext cx="314426" cy="402446"/>
+          </a:xfrm>
+          <a:prstGeom prst="rect">
+            <a:avLst/>
+          </a:prstGeom>
+          <a:solidFill>
+            <a:srgbClr val="AE78D6"/>
+          </a:solidFill>
+          <a:ln>
+            <a:noFill/>
+          </a:ln>
+        </p:spPr>
+        <p:style>
+          <a:lnRef idx="2">
+            <a:schemeClr val="accent1">
+              <a:shade val="50000"/>
+            </a:schemeClr>
+          </a:lnRef>
+          <a:fillRef idx="1">
+            <a:schemeClr val="accent1"/>
+          </a:fillRef>
+          <a:effectRef idx="0">
+            <a:schemeClr val="accent1"/>
+          </a:effectRef>
+          <a:fontRef idx="minor">
+            <a:schemeClr val="lt1"/>
+          </a:fontRef>
+        </p:style>
+        <p:txBody>
+          <a:bodyPr rtlCol="0" anchor="ctr"/>
+          <a:lstStyle/>
+          <a:p>
+            <a:pPr algn="ctr"/>
+            <a:endParaRPr lang="ko-KR" altLang="en-US"/>
+          </a:p>
+        </p:txBody>
+      </p:sp>
     </p:spTree>
     <p:extLst>
       <p:ext uri="{BB962C8B-B14F-4D97-AF65-F5344CB8AC3E}">
@@ -14987,6 +15787,52 @@
           </a:prstGeom>
         </p:spPr>
       </p:pic>
+      <p:sp>
+        <p:nvSpPr>
+          <p:cNvPr id="7" name="직사각형 6"/>
+          <p:cNvSpPr/>
+          <p:nvPr/>
+        </p:nvSpPr>
+        <p:spPr>
+          <a:xfrm>
+            <a:off x="11877572" y="2012232"/>
+            <a:ext cx="314426" cy="402446"/>
+          </a:xfrm>
+          <a:prstGeom prst="rect">
+            <a:avLst/>
+          </a:prstGeom>
+          <a:solidFill>
+            <a:srgbClr val="AE78D6"/>
+          </a:solidFill>
+          <a:ln>
+            <a:noFill/>
+          </a:ln>
+        </p:spPr>
+        <p:style>
+          <a:lnRef idx="2">
+            <a:schemeClr val="accent1">
+              <a:shade val="50000"/>
+            </a:schemeClr>
+          </a:lnRef>
+          <a:fillRef idx="1">
+            <a:schemeClr val="accent1"/>
+          </a:fillRef>
+          <a:effectRef idx="0">
+            <a:schemeClr val="accent1"/>
+          </a:effectRef>
+          <a:fontRef idx="minor">
+            <a:schemeClr val="lt1"/>
+          </a:fontRef>
+        </p:style>
+        <p:txBody>
+          <a:bodyPr rtlCol="0" anchor="ctr"/>
+          <a:lstStyle/>
+          <a:p>
+            <a:pPr algn="ctr"/>
+            <a:endParaRPr lang="ko-KR" altLang="en-US"/>
+          </a:p>
+        </p:txBody>
+      </p:sp>
     </p:spTree>
     <p:extLst>
       <p:ext uri="{BB962C8B-B14F-4D97-AF65-F5344CB8AC3E}">
@@ -16620,6 +17466,52 @@
           </a:fontRef>
         </p:style>
       </p:cxnSp>
+      <p:sp>
+        <p:nvSpPr>
+          <p:cNvPr id="43" name="직사각형 42"/>
+          <p:cNvSpPr/>
+          <p:nvPr/>
+        </p:nvSpPr>
+        <p:spPr>
+          <a:xfrm>
+            <a:off x="11877572" y="2012232"/>
+            <a:ext cx="314426" cy="402446"/>
+          </a:xfrm>
+          <a:prstGeom prst="rect">
+            <a:avLst/>
+          </a:prstGeom>
+          <a:solidFill>
+            <a:srgbClr val="AE78D6"/>
+          </a:solidFill>
+          <a:ln>
+            <a:noFill/>
+          </a:ln>
+        </p:spPr>
+        <p:style>
+          <a:lnRef idx="2">
+            <a:schemeClr val="accent1">
+              <a:shade val="50000"/>
+            </a:schemeClr>
+          </a:lnRef>
+          <a:fillRef idx="1">
+            <a:schemeClr val="accent1"/>
+          </a:fillRef>
+          <a:effectRef idx="0">
+            <a:schemeClr val="accent1"/>
+          </a:effectRef>
+          <a:fontRef idx="minor">
+            <a:schemeClr val="lt1"/>
+          </a:fontRef>
+        </p:style>
+        <p:txBody>
+          <a:bodyPr rtlCol="0" anchor="ctr"/>
+          <a:lstStyle/>
+          <a:p>
+            <a:pPr algn="ctr"/>
+            <a:endParaRPr lang="ko-KR" altLang="en-US"/>
+          </a:p>
+        </p:txBody>
+      </p:sp>
     </p:spTree>
     <p:extLst>
       <p:ext uri="{BB962C8B-B14F-4D97-AF65-F5344CB8AC3E}">
@@ -16902,6 +17794,52 @@
           </a:prstGeom>
         </p:spPr>
       </p:pic>
+      <p:sp>
+        <p:nvSpPr>
+          <p:cNvPr id="10" name="직사각형 9"/>
+          <p:cNvSpPr/>
+          <p:nvPr/>
+        </p:nvSpPr>
+        <p:spPr>
+          <a:xfrm>
+            <a:off x="11877572" y="2012232"/>
+            <a:ext cx="314426" cy="402446"/>
+          </a:xfrm>
+          <a:prstGeom prst="rect">
+            <a:avLst/>
+          </a:prstGeom>
+          <a:solidFill>
+            <a:srgbClr val="AE78D6"/>
+          </a:solidFill>
+          <a:ln>
+            <a:noFill/>
+          </a:ln>
+        </p:spPr>
+        <p:style>
+          <a:lnRef idx="2">
+            <a:schemeClr val="accent1">
+              <a:shade val="50000"/>
+            </a:schemeClr>
+          </a:lnRef>
+          <a:fillRef idx="1">
+            <a:schemeClr val="accent1"/>
+          </a:fillRef>
+          <a:effectRef idx="0">
+            <a:schemeClr val="accent1"/>
+          </a:effectRef>
+          <a:fontRef idx="minor">
+            <a:schemeClr val="lt1"/>
+          </a:fontRef>
+        </p:style>
+        <p:txBody>
+          <a:bodyPr rtlCol="0" anchor="ctr"/>
+          <a:lstStyle/>
+          <a:p>
+            <a:pPr algn="ctr"/>
+            <a:endParaRPr lang="ko-KR" altLang="en-US"/>
+          </a:p>
+        </p:txBody>
+      </p:sp>
     </p:spTree>
     <p:extLst>
       <p:ext uri="{BB962C8B-B14F-4D97-AF65-F5344CB8AC3E}">
@@ -17058,6 +17996,52 @@
           </a:prstGeom>
         </p:spPr>
       </p:pic>
+      <p:sp>
+        <p:nvSpPr>
+          <p:cNvPr id="8" name="직사각형 7"/>
+          <p:cNvSpPr/>
+          <p:nvPr/>
+        </p:nvSpPr>
+        <p:spPr>
+          <a:xfrm>
+            <a:off x="11877573" y="402447"/>
+            <a:ext cx="314426" cy="402446"/>
+          </a:xfrm>
+          <a:prstGeom prst="rect">
+            <a:avLst/>
+          </a:prstGeom>
+          <a:solidFill>
+            <a:srgbClr val="F9EF71"/>
+          </a:solidFill>
+          <a:ln>
+            <a:noFill/>
+          </a:ln>
+        </p:spPr>
+        <p:style>
+          <a:lnRef idx="2">
+            <a:schemeClr val="accent1">
+              <a:shade val="50000"/>
+            </a:schemeClr>
+          </a:lnRef>
+          <a:fillRef idx="1">
+            <a:schemeClr val="accent1"/>
+          </a:fillRef>
+          <a:effectRef idx="0">
+            <a:schemeClr val="accent1"/>
+          </a:effectRef>
+          <a:fontRef idx="minor">
+            <a:schemeClr val="lt1"/>
+          </a:fontRef>
+        </p:style>
+        <p:txBody>
+          <a:bodyPr rtlCol="0" anchor="ctr"/>
+          <a:lstStyle/>
+          <a:p>
+            <a:pPr algn="ctr"/>
+            <a:endParaRPr lang="ko-KR" altLang="en-US"/>
+          </a:p>
+        </p:txBody>
+      </p:sp>
     </p:spTree>
     <p:extLst>
       <p:ext uri="{BB962C8B-B14F-4D97-AF65-F5344CB8AC3E}">
@@ -20977,14 +21961,14 @@
           <p:nvPr>
             <p:extLst>
               <p:ext uri="{D42A27DB-BD31-4B8C-83A1-F6EECF244321}">
-                <p14:modId xmlns:p14="http://schemas.microsoft.com/office/powerpoint/2010/main" val="903535167"/>
+                <p14:modId xmlns:p14="http://schemas.microsoft.com/office/powerpoint/2010/main" val="3232324014"/>
               </p:ext>
             </p:extLst>
           </p:nvPr>
         </p:nvGraphicFramePr>
         <p:xfrm>
           <a:off x="2080374" y="3560808"/>
-          <a:ext cx="7755605" cy="2846385"/>
+          <a:ext cx="7755605" cy="2955798"/>
         </p:xfrm>
         <a:graphic>
           <a:graphicData uri="http://schemas.openxmlformats.org/drawingml/2006/table">
@@ -21145,7 +22129,7 @@
                         </a:spcAft>
                       </a:pPr>
                       <a:r>
-                        <a:rPr lang="en-US" sz="1200" kern="0" spc="0">
+                        <a:rPr lang="en-US" sz="1200" kern="0" spc="0" smtClean="0">
                           <a:solidFill>
                             <a:srgbClr val="000000"/>
                           </a:solidFill>
@@ -21153,9 +22137,9 @@
                           <a:latin typeface="G마켓 산스 TTF Medium" panose="02000000000000000000" pitchFamily="2" charset="-127"/>
                           <a:ea typeface="G마켓 산스 TTF Medium" panose="02000000000000000000" pitchFamily="2" charset="-127"/>
                         </a:rPr>
-                        <a:t>COSTOMER</a:t>
+                        <a:t>CUSTOMER</a:t>
                       </a:r>
-                      <a:endParaRPr lang="en-US" sz="1200" kern="0" spc="0">
+                      <a:endParaRPr lang="en-US" sz="1200" kern="0" spc="0" dirty="0">
                         <a:solidFill>
                           <a:srgbClr val="000000"/>
                         </a:solidFill>
@@ -25189,6 +26173,52 @@
           </a:p>
         </p:txBody>
       </p:sp>
+      <p:sp>
+        <p:nvSpPr>
+          <p:cNvPr id="9" name="직사각형 8"/>
+          <p:cNvSpPr/>
+          <p:nvPr/>
+        </p:nvSpPr>
+        <p:spPr>
+          <a:xfrm>
+            <a:off x="11877572" y="2012232"/>
+            <a:ext cx="314426" cy="402446"/>
+          </a:xfrm>
+          <a:prstGeom prst="rect">
+            <a:avLst/>
+          </a:prstGeom>
+          <a:solidFill>
+            <a:srgbClr val="AE78D6"/>
+          </a:solidFill>
+          <a:ln>
+            <a:noFill/>
+          </a:ln>
+        </p:spPr>
+        <p:style>
+          <a:lnRef idx="2">
+            <a:schemeClr val="accent1">
+              <a:shade val="50000"/>
+            </a:schemeClr>
+          </a:lnRef>
+          <a:fillRef idx="1">
+            <a:schemeClr val="accent1"/>
+          </a:fillRef>
+          <a:effectRef idx="0">
+            <a:schemeClr val="accent1"/>
+          </a:effectRef>
+          <a:fontRef idx="minor">
+            <a:schemeClr val="lt1"/>
+          </a:fontRef>
+        </p:style>
+        <p:txBody>
+          <a:bodyPr rtlCol="0" anchor="ctr"/>
+          <a:lstStyle/>
+          <a:p>
+            <a:pPr algn="ctr"/>
+            <a:endParaRPr lang="ko-KR" altLang="en-US"/>
+          </a:p>
+        </p:txBody>
+      </p:sp>
     </p:spTree>
     <p:extLst>
       <p:ext uri="{BB962C8B-B14F-4D97-AF65-F5344CB8AC3E}">
@@ -25373,6 +26403,52 @@
               </a:rPr>
               <a:t>https://github.com/jiyun1013/Portfolio_num1</a:t>
             </a:r>
+          </a:p>
+        </p:txBody>
+      </p:sp>
+      <p:sp>
+        <p:nvSpPr>
+          <p:cNvPr id="9" name="직사각형 8"/>
+          <p:cNvSpPr/>
+          <p:nvPr/>
+        </p:nvSpPr>
+        <p:spPr>
+          <a:xfrm>
+            <a:off x="11877574" y="2409733"/>
+            <a:ext cx="314426" cy="402446"/>
+          </a:xfrm>
+          <a:prstGeom prst="rect">
+            <a:avLst/>
+          </a:prstGeom>
+          <a:solidFill>
+            <a:srgbClr val="F1B9F2"/>
+          </a:solidFill>
+          <a:ln>
+            <a:noFill/>
+          </a:ln>
+        </p:spPr>
+        <p:style>
+          <a:lnRef idx="2">
+            <a:schemeClr val="accent1">
+              <a:shade val="50000"/>
+            </a:schemeClr>
+          </a:lnRef>
+          <a:fillRef idx="1">
+            <a:schemeClr val="accent1"/>
+          </a:fillRef>
+          <a:effectRef idx="0">
+            <a:schemeClr val="accent1"/>
+          </a:effectRef>
+          <a:fontRef idx="minor">
+            <a:schemeClr val="lt1"/>
+          </a:fontRef>
+        </p:style>
+        <p:txBody>
+          <a:bodyPr rtlCol="0" anchor="ctr"/>
+          <a:lstStyle/>
+          <a:p>
+            <a:pPr algn="ctr"/>
+            <a:endParaRPr lang="ko-KR" altLang="en-US"/>
           </a:p>
         </p:txBody>
       </p:sp>
@@ -25945,6 +27021,52 @@
           </a:p>
         </p:txBody>
       </p:sp>
+      <p:sp>
+        <p:nvSpPr>
+          <p:cNvPr id="12" name="직사각형 11"/>
+          <p:cNvSpPr/>
+          <p:nvPr/>
+        </p:nvSpPr>
+        <p:spPr>
+          <a:xfrm>
+            <a:off x="11877573" y="402447"/>
+            <a:ext cx="314426" cy="402446"/>
+          </a:xfrm>
+          <a:prstGeom prst="rect">
+            <a:avLst/>
+          </a:prstGeom>
+          <a:solidFill>
+            <a:srgbClr val="F9EF71"/>
+          </a:solidFill>
+          <a:ln>
+            <a:noFill/>
+          </a:ln>
+        </p:spPr>
+        <p:style>
+          <a:lnRef idx="2">
+            <a:schemeClr val="accent1">
+              <a:shade val="50000"/>
+            </a:schemeClr>
+          </a:lnRef>
+          <a:fillRef idx="1">
+            <a:schemeClr val="accent1"/>
+          </a:fillRef>
+          <a:effectRef idx="0">
+            <a:schemeClr val="accent1"/>
+          </a:effectRef>
+          <a:fontRef idx="minor">
+            <a:schemeClr val="lt1"/>
+          </a:fontRef>
+        </p:style>
+        <p:txBody>
+          <a:bodyPr rtlCol="0" anchor="ctr"/>
+          <a:lstStyle/>
+          <a:p>
+            <a:pPr algn="ctr"/>
+            <a:endParaRPr lang="ko-KR" altLang="en-US"/>
+          </a:p>
+        </p:txBody>
+      </p:sp>
     </p:spTree>
     <p:extLst>
       <p:ext uri="{BB962C8B-B14F-4D97-AF65-F5344CB8AC3E}">
@@ -26101,6 +27223,55 @@
           </a:prstGeom>
         </p:spPr>
       </p:pic>
+      <p:sp>
+        <p:nvSpPr>
+          <p:cNvPr id="8" name="직사각형 7"/>
+          <p:cNvSpPr/>
+          <p:nvPr/>
+        </p:nvSpPr>
+        <p:spPr>
+          <a:xfrm>
+            <a:off x="11877574" y="804894"/>
+            <a:ext cx="314426" cy="402446"/>
+          </a:xfrm>
+          <a:prstGeom prst="rect">
+            <a:avLst/>
+          </a:prstGeom>
+          <a:solidFill>
+            <a:schemeClr val="accent6">
+              <a:lumMod val="60000"/>
+              <a:lumOff val="40000"/>
+            </a:schemeClr>
+          </a:solidFill>
+          <a:ln>
+            <a:noFill/>
+          </a:ln>
+        </p:spPr>
+        <p:style>
+          <a:lnRef idx="2">
+            <a:schemeClr val="accent1">
+              <a:shade val="50000"/>
+            </a:schemeClr>
+          </a:lnRef>
+          <a:fillRef idx="1">
+            <a:schemeClr val="accent1"/>
+          </a:fillRef>
+          <a:effectRef idx="0">
+            <a:schemeClr val="accent1"/>
+          </a:effectRef>
+          <a:fontRef idx="minor">
+            <a:schemeClr val="lt1"/>
+          </a:fontRef>
+        </p:style>
+        <p:txBody>
+          <a:bodyPr rtlCol="0" anchor="ctr"/>
+          <a:lstStyle/>
+          <a:p>
+            <a:pPr algn="ctr"/>
+            <a:endParaRPr lang="ko-KR" altLang="en-US"/>
+          </a:p>
+        </p:txBody>
+      </p:sp>
     </p:spTree>
     <p:extLst>
       <p:ext uri="{BB962C8B-B14F-4D97-AF65-F5344CB8AC3E}">
@@ -26710,6 +27881,55 @@
           </a:p>
         </p:txBody>
       </p:sp>
+      <p:sp>
+        <p:nvSpPr>
+          <p:cNvPr id="17" name="직사각형 16"/>
+          <p:cNvSpPr/>
+          <p:nvPr/>
+        </p:nvSpPr>
+        <p:spPr>
+          <a:xfrm>
+            <a:off x="11877574" y="804894"/>
+            <a:ext cx="314426" cy="402446"/>
+          </a:xfrm>
+          <a:prstGeom prst="rect">
+            <a:avLst/>
+          </a:prstGeom>
+          <a:solidFill>
+            <a:schemeClr val="accent6">
+              <a:lumMod val="60000"/>
+              <a:lumOff val="40000"/>
+            </a:schemeClr>
+          </a:solidFill>
+          <a:ln>
+            <a:noFill/>
+          </a:ln>
+        </p:spPr>
+        <p:style>
+          <a:lnRef idx="2">
+            <a:schemeClr val="accent1">
+              <a:shade val="50000"/>
+            </a:schemeClr>
+          </a:lnRef>
+          <a:fillRef idx="1">
+            <a:schemeClr val="accent1"/>
+          </a:fillRef>
+          <a:effectRef idx="0">
+            <a:schemeClr val="accent1"/>
+          </a:effectRef>
+          <a:fontRef idx="minor">
+            <a:schemeClr val="lt1"/>
+          </a:fontRef>
+        </p:style>
+        <p:txBody>
+          <a:bodyPr rtlCol="0" anchor="ctr"/>
+          <a:lstStyle/>
+          <a:p>
+            <a:pPr algn="ctr"/>
+            <a:endParaRPr lang="ko-KR" altLang="en-US"/>
+          </a:p>
+        </p:txBody>
+      </p:sp>
     </p:spTree>
     <p:extLst>
       <p:ext uri="{BB962C8B-B14F-4D97-AF65-F5344CB8AC3E}">
@@ -26866,6 +28086,55 @@
           </a:prstGeom>
         </p:spPr>
       </p:pic>
+      <p:sp>
+        <p:nvSpPr>
+          <p:cNvPr id="8" name="직사각형 7"/>
+          <p:cNvSpPr/>
+          <p:nvPr/>
+        </p:nvSpPr>
+        <p:spPr>
+          <a:xfrm>
+            <a:off x="11877574" y="1207340"/>
+            <a:ext cx="314426" cy="402446"/>
+          </a:xfrm>
+          <a:prstGeom prst="rect">
+            <a:avLst/>
+          </a:prstGeom>
+          <a:solidFill>
+            <a:schemeClr val="accent1">
+              <a:lumMod val="60000"/>
+              <a:lumOff val="40000"/>
+            </a:schemeClr>
+          </a:solidFill>
+          <a:ln>
+            <a:noFill/>
+          </a:ln>
+        </p:spPr>
+        <p:style>
+          <a:lnRef idx="2">
+            <a:schemeClr val="accent1">
+              <a:shade val="50000"/>
+            </a:schemeClr>
+          </a:lnRef>
+          <a:fillRef idx="1">
+            <a:schemeClr val="accent1"/>
+          </a:fillRef>
+          <a:effectRef idx="0">
+            <a:schemeClr val="accent1"/>
+          </a:effectRef>
+          <a:fontRef idx="minor">
+            <a:schemeClr val="lt1"/>
+          </a:fontRef>
+        </p:style>
+        <p:txBody>
+          <a:bodyPr rtlCol="0" anchor="ctr"/>
+          <a:lstStyle/>
+          <a:p>
+            <a:pPr algn="ctr"/>
+            <a:endParaRPr lang="ko-KR" altLang="en-US"/>
+          </a:p>
+        </p:txBody>
+      </p:sp>
     </p:spTree>
     <p:extLst>
       <p:ext uri="{BB962C8B-B14F-4D97-AF65-F5344CB8AC3E}">
@@ -28282,6 +29551,55 @@
           </a:p>
         </p:txBody>
       </p:sp>
+      <p:sp>
+        <p:nvSpPr>
+          <p:cNvPr id="47" name="직사각형 46"/>
+          <p:cNvSpPr/>
+          <p:nvPr/>
+        </p:nvSpPr>
+        <p:spPr>
+          <a:xfrm>
+            <a:off x="11877574" y="1207340"/>
+            <a:ext cx="314426" cy="402446"/>
+          </a:xfrm>
+          <a:prstGeom prst="rect">
+            <a:avLst/>
+          </a:prstGeom>
+          <a:solidFill>
+            <a:schemeClr val="accent1">
+              <a:lumMod val="60000"/>
+              <a:lumOff val="40000"/>
+            </a:schemeClr>
+          </a:solidFill>
+          <a:ln>
+            <a:noFill/>
+          </a:ln>
+        </p:spPr>
+        <p:style>
+          <a:lnRef idx="2">
+            <a:schemeClr val="accent1">
+              <a:shade val="50000"/>
+            </a:schemeClr>
+          </a:lnRef>
+          <a:fillRef idx="1">
+            <a:schemeClr val="accent1"/>
+          </a:fillRef>
+          <a:effectRef idx="0">
+            <a:schemeClr val="accent1"/>
+          </a:effectRef>
+          <a:fontRef idx="minor">
+            <a:schemeClr val="lt1"/>
+          </a:fontRef>
+        </p:style>
+        <p:txBody>
+          <a:bodyPr rtlCol="0" anchor="ctr"/>
+          <a:lstStyle/>
+          <a:p>
+            <a:pPr algn="ctr"/>
+            <a:endParaRPr lang="ko-KR" altLang="en-US"/>
+          </a:p>
+        </p:txBody>
+      </p:sp>
     </p:spTree>
     <p:extLst>
       <p:ext uri="{BB962C8B-B14F-4D97-AF65-F5344CB8AC3E}">
@@ -28461,6 +29779,55 @@
           </a:prstGeom>
         </p:spPr>
       </p:pic>
+      <p:sp>
+        <p:nvSpPr>
+          <p:cNvPr id="7" name="직사각형 6"/>
+          <p:cNvSpPr/>
+          <p:nvPr/>
+        </p:nvSpPr>
+        <p:spPr>
+          <a:xfrm>
+            <a:off x="11877574" y="1207340"/>
+            <a:ext cx="314426" cy="402446"/>
+          </a:xfrm>
+          <a:prstGeom prst="rect">
+            <a:avLst/>
+          </a:prstGeom>
+          <a:solidFill>
+            <a:schemeClr val="accent1">
+              <a:lumMod val="60000"/>
+              <a:lumOff val="40000"/>
+            </a:schemeClr>
+          </a:solidFill>
+          <a:ln>
+            <a:noFill/>
+          </a:ln>
+        </p:spPr>
+        <p:style>
+          <a:lnRef idx="2">
+            <a:schemeClr val="accent1">
+              <a:shade val="50000"/>
+            </a:schemeClr>
+          </a:lnRef>
+          <a:fillRef idx="1">
+            <a:schemeClr val="accent1"/>
+          </a:fillRef>
+          <a:effectRef idx="0">
+            <a:schemeClr val="accent1"/>
+          </a:effectRef>
+          <a:fontRef idx="minor">
+            <a:schemeClr val="lt1"/>
+          </a:fontRef>
+        </p:style>
+        <p:txBody>
+          <a:bodyPr rtlCol="0" anchor="ctr"/>
+          <a:lstStyle/>
+          <a:p>
+            <a:pPr algn="ctr"/>
+            <a:endParaRPr lang="ko-KR" altLang="en-US"/>
+          </a:p>
+        </p:txBody>
+      </p:sp>
     </p:spTree>
     <p:extLst>
       <p:ext uri="{BB962C8B-B14F-4D97-AF65-F5344CB8AC3E}">
